--- a/V2.2.0.pptx
+++ b/V2.2.0.pptx
@@ -121,6 +121,10 @@
     </p:ext>
   </p:extLst>
 </p:presentation>
+</file>
+
+<file path=ppt/revisionInfo.xml><?xml version="1.0" encoding="utf-8"?>
+<p1510:revInfo xmlns:a="http://schemas.openxmlformats.org/drawingml/2006/main" xmlns:r="http://schemas.openxmlformats.org/officeDocument/2006/relationships" xmlns:p1510="http://schemas.microsoft.com/office/powerpoint/2015/10/main"/>
 </file>
 
 <file path=ppt/slideLayouts/slideLayout1.xml><?xml version="1.0" encoding="utf-8"?>
@@ -846,7 +850,7 @@
             <a:fld id="{B61BEF0D-F0BB-DE4B-95CE-6DB70DBA9567}" type="datetimeFigureOut">
               <a:rPr lang="en-US" dirty="0"/>
               <a:pPr/>
-              <a:t>10/2/2017</a:t>
+              <a:t>10/10/2017</a:t>
             </a:fld>
             <a:endParaRPr lang="en-US" dirty="0"/>
           </a:p>
@@ -1094,7 +1098,7 @@
             <a:fld id="{B61BEF0D-F0BB-DE4B-95CE-6DB70DBA9567}" type="datetimeFigureOut">
               <a:rPr lang="en-US" dirty="0"/>
               <a:pPr/>
-              <a:t>10/2/2017</a:t>
+              <a:t>10/10/2017</a:t>
             </a:fld>
             <a:endParaRPr lang="en-US" dirty="0"/>
           </a:p>
@@ -1405,7 +1409,7 @@
             <a:fld id="{B61BEF0D-F0BB-DE4B-95CE-6DB70DBA9567}" type="datetimeFigureOut">
               <a:rPr lang="en-US" dirty="0"/>
               <a:pPr/>
-              <a:t>10/2/2017</a:t>
+              <a:t>10/10/2017</a:t>
             </a:fld>
             <a:endParaRPr lang="en-US" dirty="0"/>
           </a:p>
@@ -1743,7 +1747,7 @@
             <a:fld id="{B61BEF0D-F0BB-DE4B-95CE-6DB70DBA9567}" type="datetimeFigureOut">
               <a:rPr lang="en-US" dirty="0"/>
               <a:pPr/>
-              <a:t>10/2/2017</a:t>
+              <a:t>10/10/2017</a:t>
             </a:fld>
             <a:endParaRPr lang="en-US" dirty="0"/>
           </a:p>
@@ -2054,7 +2058,7 @@
             <a:fld id="{B61BEF0D-F0BB-DE4B-95CE-6DB70DBA9567}" type="datetimeFigureOut">
               <a:rPr lang="en-US" dirty="0"/>
               <a:pPr/>
-              <a:t>10/2/2017</a:t>
+              <a:t>10/10/2017</a:t>
             </a:fld>
             <a:endParaRPr lang="en-US" dirty="0"/>
           </a:p>
@@ -2444,7 +2448,7 @@
             <a:fld id="{B61BEF0D-F0BB-DE4B-95CE-6DB70DBA9567}" type="datetimeFigureOut">
               <a:rPr lang="en-US" dirty="0"/>
               <a:pPr/>
-              <a:t>10/2/2017</a:t>
+              <a:t>10/10/2017</a:t>
             </a:fld>
             <a:endParaRPr lang="en-US" dirty="0"/>
           </a:p>
@@ -2610,7 +2614,7 @@
           <a:p>
             <a:fld id="{55C6B4A9-1611-4792-9094-5F34BCA07E0B}" type="datetimeFigureOut">
               <a:rPr lang="en-US" dirty="0"/>
-              <a:t>10/2/2017</a:t>
+              <a:t>10/10/2017</a:t>
             </a:fld>
             <a:endParaRPr lang="en-US" dirty="0"/>
           </a:p>
@@ -2786,7 +2790,7 @@
             <a:fld id="{B61BEF0D-F0BB-DE4B-95CE-6DB70DBA9567}" type="datetimeFigureOut">
               <a:rPr lang="en-US" dirty="0"/>
               <a:pPr/>
-              <a:t>10/2/2017</a:t>
+              <a:t>10/10/2017</a:t>
             </a:fld>
             <a:endParaRPr lang="en-US" dirty="0"/>
           </a:p>
@@ -2959,7 +2963,7 @@
             <a:fld id="{B61BEF0D-F0BB-DE4B-95CE-6DB70DBA9567}" type="datetimeFigureOut">
               <a:rPr lang="en-US" dirty="0"/>
               <a:pPr/>
-              <a:t>10/2/2017</a:t>
+              <a:t>10/10/2017</a:t>
             </a:fld>
             <a:endParaRPr lang="en-US" dirty="0"/>
           </a:p>
@@ -3203,7 +3207,7 @@
             <a:fld id="{B61BEF0D-F0BB-DE4B-95CE-6DB70DBA9567}" type="datetimeFigureOut">
               <a:rPr lang="en-US" dirty="0"/>
               <a:pPr/>
-              <a:t>10/2/2017</a:t>
+              <a:t>10/10/2017</a:t>
             </a:fld>
             <a:endParaRPr lang="en-US" dirty="0"/>
           </a:p>
@@ -3431,7 +3435,7 @@
           <a:p>
             <a:fld id="{EB712588-04B1-427B-82EE-E8DB90309F08}" type="datetimeFigureOut">
               <a:rPr lang="en-US" dirty="0"/>
-              <a:t>10/2/2017</a:t>
+              <a:t>10/10/2017</a:t>
             </a:fld>
             <a:endParaRPr lang="en-US" dirty="0"/>
           </a:p>
@@ -3801,7 +3805,7 @@
             <a:fld id="{B61BEF0D-F0BB-DE4B-95CE-6DB70DBA9567}" type="datetimeFigureOut">
               <a:rPr lang="en-US" dirty="0"/>
               <a:pPr/>
-              <a:t>10/2/2017</a:t>
+              <a:t>10/10/2017</a:t>
             </a:fld>
             <a:endParaRPr lang="en-US" dirty="0"/>
           </a:p>
@@ -3921,7 +3925,7 @@
             <a:fld id="{B61BEF0D-F0BB-DE4B-95CE-6DB70DBA9567}" type="datetimeFigureOut">
               <a:rPr lang="en-US" dirty="0"/>
               <a:pPr/>
-              <a:t>10/2/2017</a:t>
+              <a:t>10/10/2017</a:t>
             </a:fld>
             <a:endParaRPr lang="en-US" dirty="0"/>
           </a:p>
@@ -4013,7 +4017,7 @@
             <a:fld id="{B61BEF0D-F0BB-DE4B-95CE-6DB70DBA9567}" type="datetimeFigureOut">
               <a:rPr lang="en-US" dirty="0"/>
               <a:pPr/>
-              <a:t>10/2/2017</a:t>
+              <a:t>10/10/2017</a:t>
             </a:fld>
             <a:endParaRPr lang="en-US" dirty="0"/>
           </a:p>
@@ -4264,7 +4268,7 @@
           <a:p>
             <a:fld id="{42A54C80-263E-416B-A8E0-580EDEADCBDC}" type="datetimeFigureOut">
               <a:rPr lang="en-US" dirty="0"/>
-              <a:t>10/2/2017</a:t>
+              <a:t>10/10/2017</a:t>
             </a:fld>
             <a:endParaRPr lang="en-US" dirty="0"/>
           </a:p>
@@ -4523,7 +4527,7 @@
             <a:fld id="{B61BEF0D-F0BB-DE4B-95CE-6DB70DBA9567}" type="datetimeFigureOut">
               <a:rPr lang="en-US" dirty="0"/>
               <a:pPr/>
-              <a:t>10/2/2017</a:t>
+              <a:t>10/10/2017</a:t>
             </a:fld>
             <a:endParaRPr lang="en-US" dirty="0"/>
           </a:p>
@@ -5263,7 +5267,7 @@
             <a:fld id="{B61BEF0D-F0BB-DE4B-95CE-6DB70DBA9567}" type="datetimeFigureOut">
               <a:rPr lang="en-US" dirty="0"/>
               <a:pPr/>
-              <a:t>10/2/2017</a:t>
+              <a:t>10/10/2017</a:t>
             </a:fld>
             <a:endParaRPr lang="en-US" dirty="0"/>
           </a:p>
@@ -6265,8 +6269,23 @@
           <a:p>
             <a:r>
               <a:rPr lang="en-US" dirty="0"/>
-              <a:t>Some views are now showing column totals </a:t>
-            </a:r>
+              <a:t>Some views are now showing column totals</a:t>
+            </a:r>
+          </a:p>
+          <a:p>
+            <a:r>
+              <a:rPr lang="en-US" dirty="0" err="1"/>
+              <a:t>Cashout</a:t>
+            </a:r>
+            <a:r>
+              <a:rPr lang="en-US" dirty="0"/>
+              <a:t> Report will now need to be processed before it can </a:t>
+            </a:r>
+            <a:r>
+              <a:rPr lang="en-US"/>
+              <a:t>be printed</a:t>
+            </a:r>
+            <a:endParaRPr lang="en-US" dirty="0"/>
           </a:p>
         </p:txBody>
       </p:sp>
